--- a/powerpoint/Session2.pptx
+++ b/powerpoint/Session2.pptx
@@ -12625,13 +12625,7 @@
       </p:sp>
       <p:sp>
         <p:nvSpPr>
-          <p:cNvPr id="2" name="CustomShape 2">
-            <a:extLst>
-              <a:ext uri="{FF2B5EF4-FFF2-40B4-BE49-F238E27FC236}">
-                <a16:creationId xmlns:a16="http://schemas.microsoft.com/office/drawing/2014/main" id="{86D0796E-A584-F74F-6955-98EFCDFF0F0F}"/>
-              </a:ext>
-            </a:extLst>
-          </p:cNvPr>
+          <p:cNvPr id="229" name="CustomShape 2"/>
           <p:cNvSpPr/>
           <p:nvPr/>
         </p:nvSpPr>
@@ -12695,7 +12689,7 @@
                 <a:latin typeface="Calibri"/>
                 <a:ea typeface="DejaVu Sans"/>
               </a:rPr>
-              <a:t>Bea</a:t>
+              <a:t>Leonardo</a:t>
             </a:r>
             <a:endParaRPr lang="en-GB" sz="3200" b="0" strike="noStrike" spc="-1" dirty="0">
               <a:latin typeface="Arial"/>
@@ -12714,24 +12708,14 @@
               </a:tabLst>
             </a:pPr>
             <a:r>
-              <a:rPr lang="en-US" sz="3200" spc="-1" dirty="0">
+              <a:rPr lang="en-US" sz="3200" b="0" strike="noStrike" spc="-1" dirty="0">
                 <a:solidFill>
                   <a:srgbClr val="8B8B8B"/>
                 </a:solidFill>
                 <a:latin typeface="Calibri"/>
                 <a:ea typeface="DejaVu Sans"/>
               </a:rPr>
-              <a:t>March</a:t>
-            </a:r>
-            <a:r>
-              <a:rPr lang="en-US" sz="3200" b="0" strike="noStrike" spc="-1" dirty="0">
-                <a:solidFill>
-                  <a:srgbClr val="8B8B8B"/>
-                </a:solidFill>
-                <a:latin typeface="Calibri"/>
-                <a:ea typeface="DejaVu Sans"/>
-              </a:rPr>
-              <a:t> 2024</a:t>
+              <a:t>March 2024</a:t>
             </a:r>
             <a:endParaRPr lang="en-GB" sz="3200" b="0" strike="noStrike" spc="-1" dirty="0">
               <a:latin typeface="Arial"/>
@@ -17485,7 +17469,7 @@
           <p:cNvPr id="2" name="CustomShape 2">
             <a:extLst>
               <a:ext uri="{FF2B5EF4-FFF2-40B4-BE49-F238E27FC236}">
-                <a16:creationId xmlns:a16="http://schemas.microsoft.com/office/drawing/2014/main" id="{097B71C7-9040-D533-B3F8-42E40D83DFB2}"/>
+                <a16:creationId xmlns:a16="http://schemas.microsoft.com/office/drawing/2014/main" id="{D8766FE9-3E8D-FDFA-FA0F-A656227A7D50}"/>
               </a:ext>
             </a:extLst>
           </p:cNvPr>
@@ -17552,7 +17536,7 @@
                 <a:latin typeface="Calibri"/>
                 <a:ea typeface="DejaVu Sans"/>
               </a:rPr>
-              <a:t>Bea</a:t>
+              <a:t>Leonardo</a:t>
             </a:r>
             <a:endParaRPr lang="en-GB" sz="3200" b="0" strike="noStrike" spc="-1" dirty="0">
               <a:latin typeface="Arial"/>
@@ -17571,24 +17555,14 @@
               </a:tabLst>
             </a:pPr>
             <a:r>
-              <a:rPr lang="en-US" sz="3200" spc="-1" dirty="0">
+              <a:rPr lang="en-US" sz="3200" b="0" strike="noStrike" spc="-1" dirty="0">
                 <a:solidFill>
                   <a:srgbClr val="8B8B8B"/>
                 </a:solidFill>
                 <a:latin typeface="Calibri"/>
                 <a:ea typeface="DejaVu Sans"/>
               </a:rPr>
-              <a:t>March</a:t>
-            </a:r>
-            <a:r>
-              <a:rPr lang="en-US" sz="3200" b="0" strike="noStrike" spc="-1" dirty="0">
-                <a:solidFill>
-                  <a:srgbClr val="8B8B8B"/>
-                </a:solidFill>
-                <a:latin typeface="Calibri"/>
-                <a:ea typeface="DejaVu Sans"/>
-              </a:rPr>
-              <a:t> 2024</a:t>
+              <a:t>March 2024</a:t>
             </a:r>
             <a:endParaRPr lang="en-GB" sz="3200" b="0" strike="noStrike" spc="-1" dirty="0">
               <a:latin typeface="Arial"/>
